--- a/答辩/毕业答辩.pptx
+++ b/答辩/毕业答辩.pptx
@@ -8412,6 +8412,50 @@
           </a:fontRef>
         </p:style>
       </p:cxnSp>
+      <p:sp>
+        <p:nvSpPr>
+          <p:cNvPr id="21" name="文本框 20">
+            <a:extLst>
+              <a:ext uri="{FF2B5EF4-FFF2-40B4-BE49-F238E27FC236}">
+                <a16:creationId xmlns:a16="http://schemas.microsoft.com/office/drawing/2014/main" id="{C9AD55E6-BBF2-4EED-BA2E-596FACD27DA3}"/>
+              </a:ext>
+            </a:extLst>
+          </p:cNvPr>
+          <p:cNvSpPr txBox="1"/>
+          <p:nvPr/>
+        </p:nvSpPr>
+        <p:spPr>
+          <a:xfrm>
+            <a:off x="5489628" y="643216"/>
+            <a:ext cx="3049100" cy="369332"/>
+          </a:xfrm>
+          <a:prstGeom prst="rect">
+            <a:avLst/>
+          </a:prstGeom>
+          <a:noFill/>
+        </p:spPr>
+        <p:txBody>
+          <a:bodyPr wrap="square" rtlCol="0">
+            <a:spAutoFit/>
+          </a:bodyPr>
+          <a:lstStyle/>
+          <a:p>
+            <a:r>
+              <a:rPr lang="zh-CN" altLang="en-US" b="1" dirty="0"/>
+              <a:t>开发框架：</a:t>
+            </a:r>
+            <a:r>
+              <a:rPr lang="en-US" altLang="zh-CN" b="1" dirty="0"/>
+              <a:t>python Flask</a:t>
+            </a:r>
+            <a:r>
+              <a:rPr lang="zh-CN" altLang="en-US" b="1" dirty="0"/>
+              <a:t>框架</a:t>
+            </a:r>
+            <a:endParaRPr lang="en-US" altLang="zh-CN" b="1" dirty="0"/>
+          </a:p>
+        </p:txBody>
+      </p:sp>
     </p:spTree>
   </p:cSld>
   <p:clrMapOvr>
